--- a/compilers/docs/ThingML_Compiler_Figures.pptx
+++ b/compilers/docs/ThingML_Compiler_Figures.pptx
@@ -20,6 +20,7 @@
     <p:sldId id="270" r:id="rId14"/>
     <p:sldId id="271" r:id="rId15"/>
     <p:sldId id="272" r:id="rId16"/>
+    <p:sldId id="274" r:id="rId17"/>
   </p:sldIdLst>
   <p:sldSz cx="9144000" cy="6858000" type="screen4x3"/>
   <p:notesSz cx="6858000" cy="9144000"/>
@@ -302,7 +303,7 @@
           <a:p>
             <a:fld id="{2710D9A3-4752-43AD-96F8-DF5D3DA1D37A}" type="datetimeFigureOut">
               <a:rPr lang="en-GB" smtClean="0"/>
-              <a:t>01/09/2014</a:t>
+              <a:t>22/06/2015</a:t>
             </a:fld>
             <a:endParaRPr lang="en-GB"/>
           </a:p>
@@ -472,7 +473,7 @@
           <a:p>
             <a:fld id="{2710D9A3-4752-43AD-96F8-DF5D3DA1D37A}" type="datetimeFigureOut">
               <a:rPr lang="en-GB" smtClean="0"/>
-              <a:t>01/09/2014</a:t>
+              <a:t>22/06/2015</a:t>
             </a:fld>
             <a:endParaRPr lang="en-GB"/>
           </a:p>
@@ -652,7 +653,7 @@
           <a:p>
             <a:fld id="{2710D9A3-4752-43AD-96F8-DF5D3DA1D37A}" type="datetimeFigureOut">
               <a:rPr lang="en-GB" smtClean="0"/>
-              <a:t>01/09/2014</a:t>
+              <a:t>22/06/2015</a:t>
             </a:fld>
             <a:endParaRPr lang="en-GB"/>
           </a:p>
@@ -822,7 +823,7 @@
           <a:p>
             <a:fld id="{2710D9A3-4752-43AD-96F8-DF5D3DA1D37A}" type="datetimeFigureOut">
               <a:rPr lang="en-GB" smtClean="0"/>
-              <a:t>01/09/2014</a:t>
+              <a:t>22/06/2015</a:t>
             </a:fld>
             <a:endParaRPr lang="en-GB"/>
           </a:p>
@@ -1068,7 +1069,7 @@
           <a:p>
             <a:fld id="{2710D9A3-4752-43AD-96F8-DF5D3DA1D37A}" type="datetimeFigureOut">
               <a:rPr lang="en-GB" smtClean="0"/>
-              <a:t>01/09/2014</a:t>
+              <a:t>22/06/2015</a:t>
             </a:fld>
             <a:endParaRPr lang="en-GB"/>
           </a:p>
@@ -1356,7 +1357,7 @@
           <a:p>
             <a:fld id="{2710D9A3-4752-43AD-96F8-DF5D3DA1D37A}" type="datetimeFigureOut">
               <a:rPr lang="en-GB" smtClean="0"/>
-              <a:t>01/09/2014</a:t>
+              <a:t>22/06/2015</a:t>
             </a:fld>
             <a:endParaRPr lang="en-GB"/>
           </a:p>
@@ -1778,7 +1779,7 @@
           <a:p>
             <a:fld id="{2710D9A3-4752-43AD-96F8-DF5D3DA1D37A}" type="datetimeFigureOut">
               <a:rPr lang="en-GB" smtClean="0"/>
-              <a:t>01/09/2014</a:t>
+              <a:t>22/06/2015</a:t>
             </a:fld>
             <a:endParaRPr lang="en-GB"/>
           </a:p>
@@ -1896,7 +1897,7 @@
           <a:p>
             <a:fld id="{2710D9A3-4752-43AD-96F8-DF5D3DA1D37A}" type="datetimeFigureOut">
               <a:rPr lang="en-GB" smtClean="0"/>
-              <a:t>01/09/2014</a:t>
+              <a:t>22/06/2015</a:t>
             </a:fld>
             <a:endParaRPr lang="en-GB"/>
           </a:p>
@@ -1991,7 +1992,7 @@
           <a:p>
             <a:fld id="{2710D9A3-4752-43AD-96F8-DF5D3DA1D37A}" type="datetimeFigureOut">
               <a:rPr lang="en-GB" smtClean="0"/>
-              <a:t>01/09/2014</a:t>
+              <a:t>22/06/2015</a:t>
             </a:fld>
             <a:endParaRPr lang="en-GB"/>
           </a:p>
@@ -2268,7 +2269,7 @@
           <a:p>
             <a:fld id="{2710D9A3-4752-43AD-96F8-DF5D3DA1D37A}" type="datetimeFigureOut">
               <a:rPr lang="en-GB" smtClean="0"/>
-              <a:t>01/09/2014</a:t>
+              <a:t>22/06/2015</a:t>
             </a:fld>
             <a:endParaRPr lang="en-GB"/>
           </a:p>
@@ -2521,7 +2522,7 @@
           <a:p>
             <a:fld id="{2710D9A3-4752-43AD-96F8-DF5D3DA1D37A}" type="datetimeFigureOut">
               <a:rPr lang="en-GB" smtClean="0"/>
-              <a:t>01/09/2014</a:t>
+              <a:t>22/06/2015</a:t>
             </a:fld>
             <a:endParaRPr lang="en-GB"/>
           </a:p>
@@ -2734,7 +2735,7 @@
           <a:p>
             <a:fld id="{2710D9A3-4752-43AD-96F8-DF5D3DA1D37A}" type="datetimeFigureOut">
               <a:rPr lang="en-GB" smtClean="0"/>
-              <a:t>01/09/2014</a:t>
+              <a:t>22/06/2015</a:t>
             </a:fld>
             <a:endParaRPr lang="en-GB"/>
           </a:p>
@@ -4039,6 +4040,1122 @@
     <p:extLst>
       <p:ext uri="{BB962C8B-B14F-4D97-AF65-F5344CB8AC3E}">
         <p14:creationId xmlns:p14="http://schemas.microsoft.com/office/powerpoint/2010/main" val="1788695787"/>
+      </p:ext>
+    </p:extLst>
+  </p:cSld>
+  <p:clrMapOvr>
+    <a:masterClrMapping/>
+  </p:clrMapOvr>
+</p:sld>
+</file>
+
+<file path=ppt/slides/slide16.xml><?xml version="1.0" encoding="utf-8"?>
+<p:sld xmlns:a="http://schemas.openxmlformats.org/drawingml/2006/main" xmlns:r="http://schemas.openxmlformats.org/officeDocument/2006/relationships" xmlns:p="http://schemas.openxmlformats.org/presentationml/2006/main">
+  <p:cSld>
+    <p:spTree>
+      <p:nvGrpSpPr>
+        <p:cNvPr id="1" name=""/>
+        <p:cNvGrpSpPr/>
+        <p:nvPr/>
+      </p:nvGrpSpPr>
+      <p:grpSpPr>
+        <a:xfrm>
+          <a:off x="0" y="0"/>
+          <a:ext cx="0" cy="0"/>
+          <a:chOff x="0" y="0"/>
+          <a:chExt cx="0" cy="0"/>
+        </a:xfrm>
+      </p:grpSpPr>
+      <p:sp>
+        <p:nvSpPr>
+          <p:cNvPr id="15" name="Rounded Rectangle 14"/>
+          <p:cNvSpPr/>
+          <p:nvPr/>
+        </p:nvSpPr>
+        <p:spPr>
+          <a:xfrm>
+            <a:off x="2987824" y="836712"/>
+            <a:ext cx="3312368" cy="5688632"/>
+          </a:xfrm>
+          <a:prstGeom prst="roundRect">
+            <a:avLst/>
+          </a:prstGeom>
+        </p:spPr>
+        <p:style>
+          <a:lnRef idx="2">
+            <a:schemeClr val="accent1">
+              <a:shade val="50000"/>
+            </a:schemeClr>
+          </a:lnRef>
+          <a:fillRef idx="1">
+            <a:schemeClr val="accent1"/>
+          </a:fillRef>
+          <a:effectRef idx="0">
+            <a:schemeClr val="accent1"/>
+          </a:effectRef>
+          <a:fontRef idx="minor">
+            <a:schemeClr val="lt1"/>
+          </a:fontRef>
+        </p:style>
+        <p:txBody>
+          <a:bodyPr rtlCol="0" anchor="ctr"/>
+          <a:lstStyle/>
+          <a:p>
+            <a:pPr algn="ctr"/>
+            <a:endParaRPr lang="nb-NO" dirty="0"/>
+          </a:p>
+        </p:txBody>
+      </p:sp>
+      <p:sp>
+        <p:nvSpPr>
+          <p:cNvPr id="4" name="Rounded Rectangle 3"/>
+          <p:cNvSpPr/>
+          <p:nvPr/>
+        </p:nvSpPr>
+        <p:spPr>
+          <a:xfrm>
+            <a:off x="539552" y="5105915"/>
+            <a:ext cx="1728192" cy="792088"/>
+          </a:xfrm>
+          <a:prstGeom prst="roundRect">
+            <a:avLst/>
+          </a:prstGeom>
+        </p:spPr>
+        <p:style>
+          <a:lnRef idx="2">
+            <a:schemeClr val="accent1">
+              <a:shade val="50000"/>
+            </a:schemeClr>
+          </a:lnRef>
+          <a:fillRef idx="1">
+            <a:schemeClr val="accent1"/>
+          </a:fillRef>
+          <a:effectRef idx="0">
+            <a:schemeClr val="accent1"/>
+          </a:effectRef>
+          <a:fontRef idx="minor">
+            <a:schemeClr val="lt1"/>
+          </a:fontRef>
+        </p:style>
+        <p:txBody>
+          <a:bodyPr rtlCol="0" anchor="ctr"/>
+          <a:lstStyle/>
+          <a:p>
+            <a:pPr algn="ctr"/>
+            <a:r>
+              <a:rPr lang="nb-NO" dirty="0" smtClean="0"/>
+              <a:t>Parser</a:t>
+            </a:r>
+            <a:endParaRPr lang="nb-NO" dirty="0"/>
+          </a:p>
+        </p:txBody>
+      </p:sp>
+      <p:sp>
+        <p:nvSpPr>
+          <p:cNvPr id="5" name="Rounded Rectangle 4"/>
+          <p:cNvSpPr/>
+          <p:nvPr/>
+        </p:nvSpPr>
+        <p:spPr>
+          <a:xfrm>
+            <a:off x="539552" y="1556792"/>
+            <a:ext cx="1728192" cy="792088"/>
+          </a:xfrm>
+          <a:prstGeom prst="roundRect">
+            <a:avLst/>
+          </a:prstGeom>
+        </p:spPr>
+        <p:style>
+          <a:lnRef idx="2">
+            <a:schemeClr val="accent1">
+              <a:shade val="50000"/>
+            </a:schemeClr>
+          </a:lnRef>
+          <a:fillRef idx="1">
+            <a:schemeClr val="accent1"/>
+          </a:fillRef>
+          <a:effectRef idx="0">
+            <a:schemeClr val="accent1"/>
+          </a:effectRef>
+          <a:fontRef idx="minor">
+            <a:schemeClr val="lt1"/>
+          </a:fontRef>
+        </p:style>
+        <p:txBody>
+          <a:bodyPr rtlCol="0" anchor="ctr"/>
+          <a:lstStyle/>
+          <a:p>
+            <a:pPr algn="ctr"/>
+            <a:r>
+              <a:rPr lang="nb-NO" dirty="0" smtClean="0"/>
+              <a:t>Model</a:t>
+            </a:r>
+            <a:endParaRPr lang="nb-NO" dirty="0"/>
+          </a:p>
+        </p:txBody>
+      </p:sp>
+      <p:sp>
+        <p:nvSpPr>
+          <p:cNvPr id="6" name="Rounded Rectangle 5"/>
+          <p:cNvSpPr/>
+          <p:nvPr/>
+        </p:nvSpPr>
+        <p:spPr>
+          <a:xfrm>
+            <a:off x="7195075" y="4571234"/>
+            <a:ext cx="1728192" cy="792088"/>
+          </a:xfrm>
+          <a:prstGeom prst="roundRect">
+            <a:avLst/>
+          </a:prstGeom>
+        </p:spPr>
+        <p:style>
+          <a:lnRef idx="2">
+            <a:schemeClr val="accent1">
+              <a:shade val="50000"/>
+            </a:schemeClr>
+          </a:lnRef>
+          <a:fillRef idx="1">
+            <a:schemeClr val="accent1"/>
+          </a:fillRef>
+          <a:effectRef idx="0">
+            <a:schemeClr val="accent1"/>
+          </a:effectRef>
+          <a:fontRef idx="minor">
+            <a:schemeClr val="lt1"/>
+          </a:fontRef>
+        </p:style>
+        <p:txBody>
+          <a:bodyPr rtlCol="0" anchor="ctr"/>
+          <a:lstStyle/>
+          <a:p>
+            <a:pPr algn="ctr"/>
+            <a:r>
+              <a:rPr lang="nb-NO" dirty="0" err="1" smtClean="0"/>
+              <a:t>Standalone</a:t>
+            </a:r>
+            <a:r>
+              <a:rPr lang="nb-NO" dirty="0" smtClean="0"/>
+              <a:t> Editor</a:t>
+            </a:r>
+            <a:endParaRPr lang="nb-NO" dirty="0"/>
+          </a:p>
+        </p:txBody>
+      </p:sp>
+      <p:sp>
+        <p:nvSpPr>
+          <p:cNvPr id="7" name="Rounded Rectangle 6"/>
+          <p:cNvSpPr/>
+          <p:nvPr/>
+        </p:nvSpPr>
+        <p:spPr>
+          <a:xfrm>
+            <a:off x="3473286" y="1556792"/>
+            <a:ext cx="2304256" cy="756084"/>
+          </a:xfrm>
+          <a:prstGeom prst="roundRect">
+            <a:avLst/>
+          </a:prstGeom>
+        </p:spPr>
+        <p:style>
+          <a:lnRef idx="2">
+            <a:schemeClr val="accent2">
+              <a:shade val="50000"/>
+            </a:schemeClr>
+          </a:lnRef>
+          <a:fillRef idx="1">
+            <a:schemeClr val="accent2"/>
+          </a:fillRef>
+          <a:effectRef idx="0">
+            <a:schemeClr val="accent2"/>
+          </a:effectRef>
+          <a:fontRef idx="minor">
+            <a:schemeClr val="lt1"/>
+          </a:fontRef>
+        </p:style>
+        <p:txBody>
+          <a:bodyPr rtlCol="0" anchor="ctr"/>
+          <a:lstStyle/>
+          <a:p>
+            <a:pPr algn="ctr"/>
+            <a:r>
+              <a:rPr lang="nb-NO" dirty="0" smtClean="0"/>
+              <a:t>Framework</a:t>
+            </a:r>
+            <a:endParaRPr lang="nb-NO" dirty="0"/>
+          </a:p>
+        </p:txBody>
+      </p:sp>
+      <p:sp>
+        <p:nvSpPr>
+          <p:cNvPr id="8" name="Rounded Rectangle 7"/>
+          <p:cNvSpPr/>
+          <p:nvPr/>
+        </p:nvSpPr>
+        <p:spPr>
+          <a:xfrm>
+            <a:off x="3530428" y="5121188"/>
+            <a:ext cx="2265708" cy="972108"/>
+          </a:xfrm>
+          <a:prstGeom prst="roundRect">
+            <a:avLst/>
+          </a:prstGeom>
+        </p:spPr>
+        <p:style>
+          <a:lnRef idx="2">
+            <a:schemeClr val="accent2">
+              <a:shade val="50000"/>
+            </a:schemeClr>
+          </a:lnRef>
+          <a:fillRef idx="1">
+            <a:schemeClr val="accent2"/>
+          </a:fillRef>
+          <a:effectRef idx="0">
+            <a:schemeClr val="accent2"/>
+          </a:effectRef>
+          <a:fontRef idx="minor">
+            <a:schemeClr val="lt1"/>
+          </a:fontRef>
+        </p:style>
+        <p:txBody>
+          <a:bodyPr rtlCol="0" anchor="ctr"/>
+          <a:lstStyle/>
+          <a:p>
+            <a:pPr algn="ctr"/>
+            <a:r>
+              <a:rPr lang="en-US" dirty="0" smtClean="0"/>
+              <a:t>Registry</a:t>
+            </a:r>
+          </a:p>
+          <a:p>
+            <a:pPr algn="ctr"/>
+            <a:endParaRPr lang="nb-NO" dirty="0"/>
+          </a:p>
+          <a:p>
+            <a:pPr algn="ctr"/>
+            <a:endParaRPr lang="nb-NO" dirty="0"/>
+          </a:p>
+        </p:txBody>
+      </p:sp>
+      <p:sp>
+        <p:nvSpPr>
+          <p:cNvPr id="11" name="Rounded Rectangle 10"/>
+          <p:cNvSpPr/>
+          <p:nvPr/>
+        </p:nvSpPr>
+        <p:spPr>
+          <a:xfrm rot="5400000">
+            <a:off x="2996444" y="3492007"/>
+            <a:ext cx="1584176" cy="450050"/>
+          </a:xfrm>
+          <a:prstGeom prst="roundRect">
+            <a:avLst/>
+          </a:prstGeom>
+        </p:spPr>
+        <p:style>
+          <a:lnRef idx="2">
+            <a:schemeClr val="accent3">
+              <a:shade val="50000"/>
+            </a:schemeClr>
+          </a:lnRef>
+          <a:fillRef idx="1">
+            <a:schemeClr val="accent3"/>
+          </a:fillRef>
+          <a:effectRef idx="0">
+            <a:schemeClr val="accent3"/>
+          </a:effectRef>
+          <a:fontRef idx="minor">
+            <a:schemeClr val="lt1"/>
+          </a:fontRef>
+        </p:style>
+        <p:txBody>
+          <a:bodyPr rtlCol="0" anchor="ctr"/>
+          <a:lstStyle/>
+          <a:p>
+            <a:pPr algn="ctr"/>
+            <a:r>
+              <a:rPr lang="nb-NO" dirty="0" smtClean="0"/>
+              <a:t>C / C++</a:t>
+            </a:r>
+            <a:endParaRPr lang="nb-NO" dirty="0"/>
+          </a:p>
+        </p:txBody>
+      </p:sp>
+      <p:sp>
+        <p:nvSpPr>
+          <p:cNvPr id="12" name="Rounded Rectangle 11"/>
+          <p:cNvSpPr/>
+          <p:nvPr/>
+        </p:nvSpPr>
+        <p:spPr>
+          <a:xfrm rot="5400000">
+            <a:off x="4229370" y="3501008"/>
+            <a:ext cx="1584176" cy="432048"/>
+          </a:xfrm>
+          <a:prstGeom prst="roundRect">
+            <a:avLst/>
+          </a:prstGeom>
+        </p:spPr>
+        <p:style>
+          <a:lnRef idx="2">
+            <a:schemeClr val="accent3">
+              <a:shade val="50000"/>
+            </a:schemeClr>
+          </a:lnRef>
+          <a:fillRef idx="1">
+            <a:schemeClr val="accent3"/>
+          </a:fillRef>
+          <a:effectRef idx="0">
+            <a:schemeClr val="accent3"/>
+          </a:effectRef>
+          <a:fontRef idx="minor">
+            <a:schemeClr val="lt1"/>
+          </a:fontRef>
+        </p:style>
+        <p:txBody>
+          <a:bodyPr rtlCol="0" anchor="ctr"/>
+          <a:lstStyle/>
+          <a:p>
+            <a:pPr algn="ctr"/>
+            <a:r>
+              <a:rPr lang="nb-NO" dirty="0" smtClean="0"/>
+              <a:t>Java</a:t>
+            </a:r>
+            <a:endParaRPr lang="nb-NO" dirty="0"/>
+          </a:p>
+        </p:txBody>
+      </p:sp>
+      <p:sp>
+        <p:nvSpPr>
+          <p:cNvPr id="13" name="Rounded Rectangle 12"/>
+          <p:cNvSpPr/>
+          <p:nvPr/>
+        </p:nvSpPr>
+        <p:spPr>
+          <a:xfrm rot="5400000">
+            <a:off x="3599300" y="3483006"/>
+            <a:ext cx="1584176" cy="468052"/>
+          </a:xfrm>
+          <a:prstGeom prst="roundRect">
+            <a:avLst/>
+          </a:prstGeom>
+        </p:spPr>
+        <p:style>
+          <a:lnRef idx="2">
+            <a:schemeClr val="accent3">
+              <a:shade val="50000"/>
+            </a:schemeClr>
+          </a:lnRef>
+          <a:fillRef idx="1">
+            <a:schemeClr val="accent3"/>
+          </a:fillRef>
+          <a:effectRef idx="0">
+            <a:schemeClr val="accent3"/>
+          </a:effectRef>
+          <a:fontRef idx="minor">
+            <a:schemeClr val="lt1"/>
+          </a:fontRef>
+        </p:style>
+        <p:txBody>
+          <a:bodyPr rtlCol="0" anchor="ctr"/>
+          <a:lstStyle/>
+          <a:p>
+            <a:pPr algn="ctr"/>
+            <a:r>
+              <a:rPr lang="nb-NO" dirty="0" err="1" smtClean="0"/>
+              <a:t>Javascript</a:t>
+            </a:r>
+            <a:endParaRPr lang="nb-NO" dirty="0"/>
+          </a:p>
+        </p:txBody>
+      </p:sp>
+      <p:sp>
+        <p:nvSpPr>
+          <p:cNvPr id="14" name="Rounded Rectangle 13"/>
+          <p:cNvSpPr/>
+          <p:nvPr/>
+        </p:nvSpPr>
+        <p:spPr>
+          <a:xfrm rot="5400000">
+            <a:off x="4796729" y="3491412"/>
+            <a:ext cx="1584176" cy="414638"/>
+          </a:xfrm>
+          <a:prstGeom prst="roundRect">
+            <a:avLst/>
+          </a:prstGeom>
+        </p:spPr>
+        <p:style>
+          <a:lnRef idx="2">
+            <a:schemeClr val="accent3">
+              <a:shade val="50000"/>
+            </a:schemeClr>
+          </a:lnRef>
+          <a:fillRef idx="1">
+            <a:schemeClr val="accent3"/>
+          </a:fillRef>
+          <a:effectRef idx="0">
+            <a:schemeClr val="accent3"/>
+          </a:effectRef>
+          <a:fontRef idx="minor">
+            <a:schemeClr val="lt1"/>
+          </a:fontRef>
+        </p:style>
+        <p:txBody>
+          <a:bodyPr rtlCol="0" anchor="ctr"/>
+          <a:lstStyle/>
+          <a:p>
+            <a:pPr algn="ctr"/>
+            <a:r>
+              <a:rPr lang="nb-NO" dirty="0" smtClean="0"/>
+              <a:t>…</a:t>
+            </a:r>
+            <a:endParaRPr lang="nb-NO" dirty="0"/>
+          </a:p>
+        </p:txBody>
+      </p:sp>
+      <p:sp>
+        <p:nvSpPr>
+          <p:cNvPr id="16" name="TextBox 15"/>
+          <p:cNvSpPr txBox="1"/>
+          <p:nvPr/>
+        </p:nvSpPr>
+        <p:spPr>
+          <a:xfrm>
+            <a:off x="4055995" y="940078"/>
+            <a:ext cx="1138838" cy="369332"/>
+          </a:xfrm>
+          <a:prstGeom prst="rect">
+            <a:avLst/>
+          </a:prstGeom>
+          <a:noFill/>
+        </p:spPr>
+        <p:txBody>
+          <a:bodyPr wrap="none" rtlCol="0">
+            <a:spAutoFit/>
+          </a:bodyPr>
+          <a:lstStyle/>
+          <a:p>
+            <a:r>
+              <a:rPr lang="nb-NO" b="1" dirty="0" smtClean="0">
+                <a:solidFill>
+                  <a:schemeClr val="bg1"/>
+                </a:solidFill>
+              </a:rPr>
+              <a:t>Compilers</a:t>
+            </a:r>
+            <a:endParaRPr lang="nb-NO" b="1" dirty="0">
+              <a:solidFill>
+                <a:schemeClr val="bg1"/>
+              </a:solidFill>
+            </a:endParaRPr>
+          </a:p>
+        </p:txBody>
+      </p:sp>
+      <p:cxnSp>
+        <p:nvCxnSpPr>
+          <p:cNvPr id="18" name="Straight Arrow Connector 17"/>
+          <p:cNvCxnSpPr/>
+          <p:nvPr/>
+        </p:nvCxnSpPr>
+        <p:spPr>
+          <a:xfrm flipH="1">
+            <a:off x="2339752" y="1918556"/>
+            <a:ext cx="1013608" cy="0"/>
+          </a:xfrm>
+          <a:prstGeom prst="straightConnector1">
+            <a:avLst/>
+          </a:prstGeom>
+          <a:ln>
+            <a:tailEnd type="arrow"/>
+          </a:ln>
+        </p:spPr>
+        <p:style>
+          <a:lnRef idx="2">
+            <a:schemeClr val="dk1"/>
+          </a:lnRef>
+          <a:fillRef idx="0">
+            <a:schemeClr val="dk1"/>
+          </a:fillRef>
+          <a:effectRef idx="1">
+            <a:schemeClr val="dk1"/>
+          </a:effectRef>
+          <a:fontRef idx="minor">
+            <a:schemeClr val="tx1"/>
+          </a:fontRef>
+        </p:style>
+      </p:cxnSp>
+      <p:cxnSp>
+        <p:nvCxnSpPr>
+          <p:cNvPr id="24" name="Straight Arrow Connector 23"/>
+          <p:cNvCxnSpPr/>
+          <p:nvPr/>
+        </p:nvCxnSpPr>
+        <p:spPr>
+          <a:xfrm flipV="1">
+            <a:off x="1403648" y="2492896"/>
+            <a:ext cx="0" cy="2448272"/>
+          </a:xfrm>
+          <a:prstGeom prst="straightConnector1">
+            <a:avLst/>
+          </a:prstGeom>
+          <a:ln>
+            <a:tailEnd type="arrow"/>
+          </a:ln>
+        </p:spPr>
+        <p:style>
+          <a:lnRef idx="2">
+            <a:schemeClr val="dk1"/>
+          </a:lnRef>
+          <a:fillRef idx="0">
+            <a:schemeClr val="dk1"/>
+          </a:fillRef>
+          <a:effectRef idx="1">
+            <a:schemeClr val="dk1"/>
+          </a:effectRef>
+          <a:fontRef idx="minor">
+            <a:schemeClr val="tx1"/>
+          </a:fontRef>
+        </p:style>
+      </p:cxnSp>
+      <p:cxnSp>
+        <p:nvCxnSpPr>
+          <p:cNvPr id="27" name="Straight Arrow Connector 26"/>
+          <p:cNvCxnSpPr/>
+          <p:nvPr/>
+        </p:nvCxnSpPr>
+        <p:spPr>
+          <a:xfrm flipV="1">
+            <a:off x="3765162" y="2348880"/>
+            <a:ext cx="248396" cy="472068"/>
+          </a:xfrm>
+          <a:prstGeom prst="straightConnector1">
+            <a:avLst/>
+          </a:prstGeom>
+          <a:ln>
+            <a:tailEnd type="arrow"/>
+          </a:ln>
+        </p:spPr>
+        <p:style>
+          <a:lnRef idx="2">
+            <a:schemeClr val="dk1"/>
+          </a:lnRef>
+          <a:fillRef idx="0">
+            <a:schemeClr val="dk1"/>
+          </a:fillRef>
+          <a:effectRef idx="1">
+            <a:schemeClr val="dk1"/>
+          </a:effectRef>
+          <a:fontRef idx="minor">
+            <a:schemeClr val="tx1"/>
+          </a:fontRef>
+        </p:style>
+      </p:cxnSp>
+      <p:cxnSp>
+        <p:nvCxnSpPr>
+          <p:cNvPr id="30" name="Straight Arrow Connector 29"/>
+          <p:cNvCxnSpPr/>
+          <p:nvPr/>
+        </p:nvCxnSpPr>
+        <p:spPr>
+          <a:xfrm flipV="1">
+            <a:off x="4395612" y="2406018"/>
+            <a:ext cx="104380" cy="472068"/>
+          </a:xfrm>
+          <a:prstGeom prst="straightConnector1">
+            <a:avLst/>
+          </a:prstGeom>
+          <a:ln>
+            <a:tailEnd type="arrow"/>
+          </a:ln>
+        </p:spPr>
+        <p:style>
+          <a:lnRef idx="2">
+            <a:schemeClr val="dk1"/>
+          </a:lnRef>
+          <a:fillRef idx="0">
+            <a:schemeClr val="dk1"/>
+          </a:fillRef>
+          <a:effectRef idx="1">
+            <a:schemeClr val="dk1"/>
+          </a:effectRef>
+          <a:fontRef idx="minor">
+            <a:schemeClr val="tx1"/>
+          </a:fontRef>
+        </p:style>
+      </p:cxnSp>
+      <p:cxnSp>
+        <p:nvCxnSpPr>
+          <p:cNvPr id="32" name="Straight Arrow Connector 31"/>
+          <p:cNvCxnSpPr/>
+          <p:nvPr/>
+        </p:nvCxnSpPr>
+        <p:spPr>
+          <a:xfrm flipH="1" flipV="1">
+            <a:off x="4932040" y="2406018"/>
+            <a:ext cx="80544" cy="472068"/>
+          </a:xfrm>
+          <a:prstGeom prst="straightConnector1">
+            <a:avLst/>
+          </a:prstGeom>
+          <a:ln>
+            <a:tailEnd type="arrow"/>
+          </a:ln>
+        </p:spPr>
+        <p:style>
+          <a:lnRef idx="2">
+            <a:schemeClr val="dk1"/>
+          </a:lnRef>
+          <a:fillRef idx="0">
+            <a:schemeClr val="dk1"/>
+          </a:fillRef>
+          <a:effectRef idx="1">
+            <a:schemeClr val="dk1"/>
+          </a:effectRef>
+          <a:fontRef idx="minor">
+            <a:schemeClr val="tx1"/>
+          </a:fontRef>
+        </p:style>
+      </p:cxnSp>
+      <p:cxnSp>
+        <p:nvCxnSpPr>
+          <p:cNvPr id="33" name="Straight Arrow Connector 32"/>
+          <p:cNvCxnSpPr/>
+          <p:nvPr/>
+        </p:nvCxnSpPr>
+        <p:spPr>
+          <a:xfrm flipH="1" flipV="1">
+            <a:off x="5381498" y="2406018"/>
+            <a:ext cx="207319" cy="447750"/>
+          </a:xfrm>
+          <a:prstGeom prst="straightConnector1">
+            <a:avLst/>
+          </a:prstGeom>
+          <a:ln>
+            <a:tailEnd type="arrow"/>
+          </a:ln>
+        </p:spPr>
+        <p:style>
+          <a:lnRef idx="2">
+            <a:schemeClr val="dk1"/>
+          </a:lnRef>
+          <a:fillRef idx="0">
+            <a:schemeClr val="dk1"/>
+          </a:fillRef>
+          <a:effectRef idx="1">
+            <a:schemeClr val="dk1"/>
+          </a:effectRef>
+          <a:fontRef idx="minor">
+            <a:schemeClr val="tx1"/>
+          </a:fontRef>
+        </p:style>
+      </p:cxnSp>
+      <p:cxnSp>
+        <p:nvCxnSpPr>
+          <p:cNvPr id="37" name="Straight Arrow Connector 36"/>
+          <p:cNvCxnSpPr/>
+          <p:nvPr/>
+        </p:nvCxnSpPr>
+        <p:spPr>
+          <a:xfrm flipH="1" flipV="1">
+            <a:off x="3788532" y="4599341"/>
+            <a:ext cx="225026" cy="435643"/>
+          </a:xfrm>
+          <a:prstGeom prst="straightConnector1">
+            <a:avLst/>
+          </a:prstGeom>
+          <a:ln>
+            <a:tailEnd type="arrow"/>
+          </a:ln>
+        </p:spPr>
+        <p:style>
+          <a:lnRef idx="2">
+            <a:schemeClr val="dk1"/>
+          </a:lnRef>
+          <a:fillRef idx="0">
+            <a:schemeClr val="dk1"/>
+          </a:fillRef>
+          <a:effectRef idx="1">
+            <a:schemeClr val="dk1"/>
+          </a:effectRef>
+          <a:fontRef idx="minor">
+            <a:schemeClr val="tx1"/>
+          </a:fontRef>
+        </p:style>
+      </p:cxnSp>
+      <p:cxnSp>
+        <p:nvCxnSpPr>
+          <p:cNvPr id="40" name="Straight Arrow Connector 39"/>
+          <p:cNvCxnSpPr/>
+          <p:nvPr/>
+        </p:nvCxnSpPr>
+        <p:spPr>
+          <a:xfrm flipH="1" flipV="1">
+            <a:off x="4391388" y="4599341"/>
+            <a:ext cx="108604" cy="413835"/>
+          </a:xfrm>
+          <a:prstGeom prst="straightConnector1">
+            <a:avLst/>
+          </a:prstGeom>
+          <a:ln>
+            <a:tailEnd type="arrow"/>
+          </a:ln>
+        </p:spPr>
+        <p:style>
+          <a:lnRef idx="2">
+            <a:schemeClr val="dk1"/>
+          </a:lnRef>
+          <a:fillRef idx="0">
+            <a:schemeClr val="dk1"/>
+          </a:fillRef>
+          <a:effectRef idx="1">
+            <a:schemeClr val="dk1"/>
+          </a:effectRef>
+          <a:fontRef idx="minor">
+            <a:schemeClr val="tx1"/>
+          </a:fontRef>
+        </p:style>
+      </p:cxnSp>
+      <p:cxnSp>
+        <p:nvCxnSpPr>
+          <p:cNvPr id="42" name="Straight Arrow Connector 41"/>
+          <p:cNvCxnSpPr/>
+          <p:nvPr/>
+        </p:nvCxnSpPr>
+        <p:spPr>
+          <a:xfrm flipV="1">
+            <a:off x="4932040" y="4599342"/>
+            <a:ext cx="80545" cy="413834"/>
+          </a:xfrm>
+          <a:prstGeom prst="straightConnector1">
+            <a:avLst/>
+          </a:prstGeom>
+          <a:ln>
+            <a:tailEnd type="arrow"/>
+          </a:ln>
+        </p:spPr>
+        <p:style>
+          <a:lnRef idx="2">
+            <a:schemeClr val="dk1"/>
+          </a:lnRef>
+          <a:fillRef idx="0">
+            <a:schemeClr val="dk1"/>
+          </a:fillRef>
+          <a:effectRef idx="1">
+            <a:schemeClr val="dk1"/>
+          </a:effectRef>
+          <a:fontRef idx="minor">
+            <a:schemeClr val="tx1"/>
+          </a:fontRef>
+        </p:style>
+      </p:cxnSp>
+      <p:cxnSp>
+        <p:nvCxnSpPr>
+          <p:cNvPr id="44" name="Straight Arrow Connector 43"/>
+          <p:cNvCxnSpPr/>
+          <p:nvPr/>
+        </p:nvCxnSpPr>
+        <p:spPr>
+          <a:xfrm flipV="1">
+            <a:off x="5381497" y="4599341"/>
+            <a:ext cx="207319" cy="435642"/>
+          </a:xfrm>
+          <a:prstGeom prst="straightConnector1">
+            <a:avLst/>
+          </a:prstGeom>
+          <a:ln>
+            <a:tailEnd type="arrow"/>
+          </a:ln>
+        </p:spPr>
+        <p:style>
+          <a:lnRef idx="2">
+            <a:schemeClr val="dk1"/>
+          </a:lnRef>
+          <a:fillRef idx="0">
+            <a:schemeClr val="dk1"/>
+          </a:fillRef>
+          <a:effectRef idx="1">
+            <a:schemeClr val="dk1"/>
+          </a:effectRef>
+          <a:fontRef idx="minor">
+            <a:schemeClr val="tx1"/>
+          </a:fontRef>
+        </p:style>
+      </p:cxnSp>
+      <p:cxnSp>
+        <p:nvCxnSpPr>
+          <p:cNvPr id="60" name="Straight Arrow Connector 59"/>
+          <p:cNvCxnSpPr/>
+          <p:nvPr/>
+        </p:nvCxnSpPr>
+        <p:spPr>
+          <a:xfrm flipH="1">
+            <a:off x="2339752" y="5499230"/>
+            <a:ext cx="1013608" cy="0"/>
+          </a:xfrm>
+          <a:prstGeom prst="straightConnector1">
+            <a:avLst/>
+          </a:prstGeom>
+          <a:ln>
+            <a:tailEnd type="arrow"/>
+          </a:ln>
+        </p:spPr>
+        <p:style>
+          <a:lnRef idx="2">
+            <a:schemeClr val="dk1"/>
+          </a:lnRef>
+          <a:fillRef idx="0">
+            <a:schemeClr val="dk1"/>
+          </a:fillRef>
+          <a:effectRef idx="1">
+            <a:schemeClr val="dk1"/>
+          </a:effectRef>
+          <a:fontRef idx="minor">
+            <a:schemeClr val="tx1"/>
+          </a:fontRef>
+        </p:style>
+      </p:cxnSp>
+      <p:sp>
+        <p:nvSpPr>
+          <p:cNvPr id="61" name="Rounded Rectangle 60"/>
+          <p:cNvSpPr/>
+          <p:nvPr/>
+        </p:nvSpPr>
+        <p:spPr>
+          <a:xfrm>
+            <a:off x="3917151" y="5607242"/>
+            <a:ext cx="1584176" cy="432048"/>
+          </a:xfrm>
+          <a:prstGeom prst="roundRect">
+            <a:avLst/>
+          </a:prstGeom>
+        </p:spPr>
+        <p:style>
+          <a:lnRef idx="2">
+            <a:schemeClr val="accent6">
+              <a:shade val="50000"/>
+            </a:schemeClr>
+          </a:lnRef>
+          <a:fillRef idx="1">
+            <a:schemeClr val="accent6"/>
+          </a:fillRef>
+          <a:effectRef idx="0">
+            <a:schemeClr val="accent6"/>
+          </a:effectRef>
+          <a:fontRef idx="minor">
+            <a:schemeClr val="lt1"/>
+          </a:fontRef>
+        </p:style>
+        <p:txBody>
+          <a:bodyPr rtlCol="0" anchor="ctr"/>
+          <a:lstStyle/>
+          <a:p>
+            <a:pPr algn="ctr"/>
+            <a:r>
+              <a:rPr lang="en-US" sz="1200" b="1" dirty="0" smtClean="0"/>
+              <a:t>Command line</a:t>
+            </a:r>
+          </a:p>
+          <a:p>
+            <a:pPr algn="ctr"/>
+            <a:r>
+              <a:rPr lang="en-US" sz="1200" b="1" dirty="0" smtClean="0"/>
+              <a:t>Compiler</a:t>
+            </a:r>
+            <a:endParaRPr lang="en-US" sz="1200" b="1" dirty="0"/>
+          </a:p>
+        </p:txBody>
+      </p:sp>
+      <p:cxnSp>
+        <p:nvCxnSpPr>
+          <p:cNvPr id="62" name="Straight Arrow Connector 61"/>
+          <p:cNvCxnSpPr/>
+          <p:nvPr/>
+        </p:nvCxnSpPr>
+        <p:spPr>
+          <a:xfrm flipH="1">
+            <a:off x="5940152" y="5105915"/>
+            <a:ext cx="1183056" cy="393315"/>
+          </a:xfrm>
+          <a:prstGeom prst="straightConnector1">
+            <a:avLst/>
+          </a:prstGeom>
+          <a:ln>
+            <a:tailEnd type="arrow"/>
+          </a:ln>
+        </p:spPr>
+        <p:style>
+          <a:lnRef idx="2">
+            <a:schemeClr val="dk1"/>
+          </a:lnRef>
+          <a:fillRef idx="0">
+            <a:schemeClr val="dk1"/>
+          </a:fillRef>
+          <a:effectRef idx="1">
+            <a:schemeClr val="dk1"/>
+          </a:effectRef>
+          <a:fontRef idx="minor">
+            <a:schemeClr val="tx1"/>
+          </a:fontRef>
+        </p:style>
+      </p:cxnSp>
+      <p:sp>
+        <p:nvSpPr>
+          <p:cNvPr id="64" name="Rounded Rectangle 63"/>
+          <p:cNvSpPr/>
+          <p:nvPr/>
+        </p:nvSpPr>
+        <p:spPr>
+          <a:xfrm>
+            <a:off x="7195075" y="5745170"/>
+            <a:ext cx="1728192" cy="792088"/>
+          </a:xfrm>
+          <a:prstGeom prst="roundRect">
+            <a:avLst/>
+          </a:prstGeom>
+        </p:spPr>
+        <p:style>
+          <a:lnRef idx="2">
+            <a:schemeClr val="accent1">
+              <a:shade val="50000"/>
+            </a:schemeClr>
+          </a:lnRef>
+          <a:fillRef idx="1">
+            <a:schemeClr val="accent1"/>
+          </a:fillRef>
+          <a:effectRef idx="0">
+            <a:schemeClr val="accent1"/>
+          </a:effectRef>
+          <a:fontRef idx="minor">
+            <a:schemeClr val="lt1"/>
+          </a:fontRef>
+        </p:style>
+        <p:txBody>
+          <a:bodyPr rtlCol="0" anchor="ctr"/>
+          <a:lstStyle/>
+          <a:p>
+            <a:pPr algn="ctr"/>
+            <a:r>
+              <a:rPr lang="nb-NO" dirty="0" err="1" smtClean="0"/>
+              <a:t>Eclipse</a:t>
+            </a:r>
+            <a:r>
+              <a:rPr lang="nb-NO" dirty="0" smtClean="0"/>
+              <a:t> </a:t>
+            </a:r>
+            <a:r>
+              <a:rPr lang="nb-NO" dirty="0" err="1" smtClean="0"/>
+              <a:t>Plugins</a:t>
+            </a:r>
+            <a:endParaRPr lang="nb-NO" dirty="0"/>
+          </a:p>
+        </p:txBody>
+      </p:sp>
+      <p:cxnSp>
+        <p:nvCxnSpPr>
+          <p:cNvPr id="67" name="Straight Arrow Connector 66"/>
+          <p:cNvCxnSpPr/>
+          <p:nvPr/>
+        </p:nvCxnSpPr>
+        <p:spPr>
+          <a:xfrm flipH="1" flipV="1">
+            <a:off x="5940152" y="5745170"/>
+            <a:ext cx="1183056" cy="396044"/>
+          </a:xfrm>
+          <a:prstGeom prst="straightConnector1">
+            <a:avLst/>
+          </a:prstGeom>
+          <a:ln>
+            <a:tailEnd type="arrow"/>
+          </a:ln>
+        </p:spPr>
+        <p:style>
+          <a:lnRef idx="2">
+            <a:schemeClr val="dk1"/>
+          </a:lnRef>
+          <a:fillRef idx="0">
+            <a:schemeClr val="dk1"/>
+          </a:fillRef>
+          <a:effectRef idx="1">
+            <a:schemeClr val="dk1"/>
+          </a:effectRef>
+          <a:fontRef idx="minor">
+            <a:schemeClr val="tx1"/>
+          </a:fontRef>
+        </p:style>
+      </p:cxnSp>
+      <p:cxnSp>
+        <p:nvCxnSpPr>
+          <p:cNvPr id="70" name="Straight Arrow Connector 69"/>
+          <p:cNvCxnSpPr/>
+          <p:nvPr/>
+        </p:nvCxnSpPr>
+        <p:spPr>
+          <a:xfrm>
+            <a:off x="7195216" y="687737"/>
+            <a:ext cx="848174" cy="0"/>
+          </a:xfrm>
+          <a:prstGeom prst="straightConnector1">
+            <a:avLst/>
+          </a:prstGeom>
+          <a:ln>
+            <a:tailEnd type="arrow"/>
+          </a:ln>
+        </p:spPr>
+        <p:style>
+          <a:lnRef idx="2">
+            <a:schemeClr val="dk1"/>
+          </a:lnRef>
+          <a:fillRef idx="0">
+            <a:schemeClr val="dk1"/>
+          </a:fillRef>
+          <a:effectRef idx="1">
+            <a:schemeClr val="dk1"/>
+          </a:effectRef>
+          <a:fontRef idx="minor">
+            <a:schemeClr val="tx1"/>
+          </a:fontRef>
+        </p:style>
+      </p:cxnSp>
+      <p:sp>
+        <p:nvSpPr>
+          <p:cNvPr id="72" name="TextBox 71"/>
+          <p:cNvSpPr txBox="1"/>
+          <p:nvPr/>
+        </p:nvSpPr>
+        <p:spPr>
+          <a:xfrm>
+            <a:off x="7123208" y="709245"/>
+            <a:ext cx="1357166" cy="461665"/>
+          </a:xfrm>
+          <a:prstGeom prst="rect">
+            <a:avLst/>
+          </a:prstGeom>
+          <a:noFill/>
+        </p:spPr>
+        <p:txBody>
+          <a:bodyPr wrap="none" rtlCol="0">
+            <a:spAutoFit/>
+          </a:bodyPr>
+          <a:lstStyle/>
+          <a:p>
+            <a:r>
+              <a:rPr lang="en-US" sz="1200" dirty="0" smtClean="0"/>
+              <a:t>projects / modules</a:t>
+            </a:r>
+          </a:p>
+          <a:p>
+            <a:r>
+              <a:rPr lang="en-US" sz="1200" dirty="0" smtClean="0"/>
+              <a:t>dependencies</a:t>
+            </a:r>
+            <a:endParaRPr lang="en-US" sz="1200" dirty="0"/>
+          </a:p>
+        </p:txBody>
+      </p:sp>
+    </p:spTree>
+    <p:extLst>
+      <p:ext uri="{BB962C8B-B14F-4D97-AF65-F5344CB8AC3E}">
+        <p14:creationId xmlns:p14="http://schemas.microsoft.com/office/powerpoint/2010/main" val="2955842217"/>
       </p:ext>
     </p:extLst>
   </p:cSld>
